--- a/Week2/More on C++ - Memory Management.pptx
+++ b/Week2/More on C++ - Memory Management.pptx
@@ -428,6 +428,30 @@
             <pc:docMk/>
             <pc:sldMk cId="0" sldId="547"/>
             <ac:spMk id="129042" creationId="{00000000-0000-0000-0000-000000000000}"/>
+          </ac:spMkLst>
+        </pc:spChg>
+      </pc:sldChg>
+    </pc:docChg>
+  </pc:docChgLst>
+  <pc:docChgLst>
+    <pc:chgData name="Yeo Jin Rong" userId="432834dabdb68bfc" providerId="LiveId" clId="{0226B8C9-ED11-4FEF-8A29-2930D630EF3C}"/>
+    <pc:docChg chg="modSld">
+      <pc:chgData name="Yeo Jin Rong" userId="432834dabdb68bfc" providerId="LiveId" clId="{0226B8C9-ED11-4FEF-8A29-2930D630EF3C}" dt="2024-10-21T01:17:01.942" v="0" actId="20577"/>
+      <pc:docMkLst>
+        <pc:docMk/>
+      </pc:docMkLst>
+      <pc:sldChg chg="modSp mod">
+        <pc:chgData name="Yeo Jin Rong" userId="432834dabdb68bfc" providerId="LiveId" clId="{0226B8C9-ED11-4FEF-8A29-2930D630EF3C}" dt="2024-10-21T01:17:01.942" v="0" actId="20577"/>
+        <pc:sldMkLst>
+          <pc:docMk/>
+          <pc:sldMk cId="2716151379" sldId="487"/>
+        </pc:sldMkLst>
+        <pc:spChg chg="mod">
+          <ac:chgData name="Yeo Jin Rong" userId="432834dabdb68bfc" providerId="LiveId" clId="{0226B8C9-ED11-4FEF-8A29-2930D630EF3C}" dt="2024-10-21T01:17:01.942" v="0" actId="20577"/>
+          <ac:spMkLst>
+            <pc:docMk/>
+            <pc:sldMk cId="2716151379" sldId="487"/>
+            <ac:spMk id="10243" creationId="{00000000-0000-0000-0000-000000000000}"/>
           </ac:spMkLst>
         </pc:spChg>
       </pc:sldChg>
@@ -12693,7 +12717,7 @@
                 <a:latin typeface="Consolas" panose="020B0609020204030204" pitchFamily="49" charset="0"/>
                 <a:ea typeface="宋体" charset="-122"/>
               </a:rPr>
-              <a:t>Pass-by-Value VS Pass-by-Reference</a:t>
+              <a:t>Pass-by-Value VS Pass-by-Reference </a:t>
             </a:r>
           </a:p>
         </p:txBody>
@@ -19282,6 +19306,15 @@
 </file>
 
 <file path=customXml/item1.xml><?xml version="1.0" encoding="utf-8"?>
+<?mso-contentType ?>
+<FormTemplates xmlns="http://schemas.microsoft.com/sharepoint/v3/contenttype/forms">
+  <Display>DocumentLibraryForm</Display>
+  <Edit>DocumentLibraryForm</Edit>
+  <New>DocumentLibraryForm</New>
+</FormTemplates>
+</file>
+
+<file path=customXml/item2.xml><?xml version="1.0" encoding="utf-8"?>
 <ct:contentTypeSchema xmlns:ct="http://schemas.microsoft.com/office/2006/metadata/contentType" xmlns:ma="http://schemas.microsoft.com/office/2006/metadata/properties/metaAttributes" ct:_="" ma:_="" ma:contentTypeName="Document" ma:contentTypeID="0x010100DA5B4D96DB587E42989A6DA86F8D438D" ma:contentTypeVersion="15" ma:contentTypeDescription="Create a new document." ma:contentTypeScope="" ma:versionID="b50e62bb8af338cfa1e56ab6f704d944">
   <xsd:schema xmlns:xsd="http://www.w3.org/2001/XMLSchema" xmlns:xs="http://www.w3.org/2001/XMLSchema" xmlns:p="http://schemas.microsoft.com/office/2006/metadata/properties" xmlns:ns1="http://schemas.microsoft.com/sharepoint/v3" xmlns:ns2="ca7cff02-f992-47a1-a703-ade4bd02634a" xmlns:ns3="9552dbef-7a6a-4b43-9b20-c56e2880b8c9" targetNamespace="http://schemas.microsoft.com/office/2006/metadata/properties" ma:root="true" ma:fieldsID="b7fd74865d684d29b5d05a540b961d35" ns1:_="" ns2:_="" ns3:_="">
     <xsd:import namespace="http://schemas.microsoft.com/sharepoint/v3"/>
@@ -19521,16 +19554,15 @@
 </ct:contentTypeSchema>
 </file>
 
-<file path=customXml/item2.xml><?xml version="1.0" encoding="utf-8"?>
-<?mso-contentType ?>
-<FormTemplates xmlns="http://schemas.microsoft.com/sharepoint/v3/contenttype/forms">
-  <Display>DocumentLibraryForm</Display>
-  <Edit>DocumentLibraryForm</Edit>
-  <New>DocumentLibraryForm</New>
-</FormTemplates>
+<file path=customXml/itemProps1.xml><?xml version="1.0" encoding="utf-8"?>
+<ds:datastoreItem xmlns:ds="http://schemas.openxmlformats.org/officeDocument/2006/customXml" ds:itemID="{D16F5B34-CC4F-4D8A-B7C8-32F219F6D888}">
+  <ds:schemaRefs>
+    <ds:schemaRef ds:uri="http://schemas.microsoft.com/sharepoint/v3/contenttype/forms"/>
+  </ds:schemaRefs>
+</ds:datastoreItem>
 </file>
 
-<file path=customXml/itemProps1.xml><?xml version="1.0" encoding="utf-8"?>
+<file path=customXml/itemProps2.xml><?xml version="1.0" encoding="utf-8"?>
 <ds:datastoreItem xmlns:ds="http://schemas.openxmlformats.org/officeDocument/2006/customXml" ds:itemID="{B57E0F0D-1F82-48B7-A927-9BC356AEB924}">
   <ds:schemaRefs>
     <ds:schemaRef ds:uri="http://schemas.microsoft.com/office/2006/metadata/contentType"/>
@@ -19548,12 +19580,4 @@
     <ds:schemaRef ds:uri="http://schemas.microsoft.com/internal/obd"/>
   </ds:schemaRefs>
 </ds:datastoreItem>
-</file>
-
-<file path=customXml/itemProps2.xml><?xml version="1.0" encoding="utf-8"?>
-<ds:datastoreItem xmlns:ds="http://schemas.openxmlformats.org/officeDocument/2006/customXml" ds:itemID="{D16F5B34-CC4F-4D8A-B7C8-32F219F6D888}">
-  <ds:schemaRefs>
-    <ds:schemaRef ds:uri="http://schemas.microsoft.com/sharepoint/v3/contenttype/forms"/>
-  </ds:schemaRefs>
-</ds:datastoreItem>
 </file>